--- a/docs/alignment helper.pptx
+++ b/docs/alignment helper.pptx
@@ -7,6 +7,7 @@
   <p:sldIdLst>
     <p:sldId id="256" r:id="rId2"/>
     <p:sldId id="257" r:id="rId3"/>
+    <p:sldId id="258" r:id="rId4"/>
   </p:sldIdLst>
   <p:sldSz cx="12192000" cy="6858000"/>
   <p:notesSz cx="6858000" cy="9144000"/>
@@ -105,6 +106,11 @@
       </a:defRPr>
     </a:lvl9pPr>
   </p:defaultTextStyle>
+  <p:extLst>
+    <p:ext uri="{EFAFB233-063F-42B5-8137-9DF3F51BA10A}">
+      <p15:sldGuideLst xmlns:p15="http://schemas.microsoft.com/office/powerpoint/2012/main"/>
+    </p:ext>
+  </p:extLst>
 </p:presentation>
 </file>
 
@@ -255,7 +261,7 @@
           <a:p>
             <a:fld id="{7926B575-2040-4D7F-8872-C7A3AA837512}" type="datetimeFigureOut">
               <a:rPr lang="zh-CN" altLang="en-US" smtClean="0"/>
-              <a:t>2023/10/12</a:t>
+              <a:t>2023/10/14</a:t>
             </a:fld>
             <a:endParaRPr lang="zh-CN" altLang="en-US"/>
           </a:p>
@@ -453,7 +459,7 @@
           <a:p>
             <a:fld id="{7926B575-2040-4D7F-8872-C7A3AA837512}" type="datetimeFigureOut">
               <a:rPr lang="zh-CN" altLang="en-US" smtClean="0"/>
-              <a:t>2023/10/12</a:t>
+              <a:t>2023/10/14</a:t>
             </a:fld>
             <a:endParaRPr lang="zh-CN" altLang="en-US"/>
           </a:p>
@@ -661,7 +667,7 @@
           <a:p>
             <a:fld id="{7926B575-2040-4D7F-8872-C7A3AA837512}" type="datetimeFigureOut">
               <a:rPr lang="zh-CN" altLang="en-US" smtClean="0"/>
-              <a:t>2023/10/12</a:t>
+              <a:t>2023/10/14</a:t>
             </a:fld>
             <a:endParaRPr lang="zh-CN" altLang="en-US"/>
           </a:p>
@@ -859,7 +865,7 @@
           <a:p>
             <a:fld id="{7926B575-2040-4D7F-8872-C7A3AA837512}" type="datetimeFigureOut">
               <a:rPr lang="zh-CN" altLang="en-US" smtClean="0"/>
-              <a:t>2023/10/12</a:t>
+              <a:t>2023/10/14</a:t>
             </a:fld>
             <a:endParaRPr lang="zh-CN" altLang="en-US"/>
           </a:p>
@@ -1134,7 +1140,7 @@
           <a:p>
             <a:fld id="{7926B575-2040-4D7F-8872-C7A3AA837512}" type="datetimeFigureOut">
               <a:rPr lang="zh-CN" altLang="en-US" smtClean="0"/>
-              <a:t>2023/10/12</a:t>
+              <a:t>2023/10/14</a:t>
             </a:fld>
             <a:endParaRPr lang="zh-CN" altLang="en-US"/>
           </a:p>
@@ -1399,7 +1405,7 @@
           <a:p>
             <a:fld id="{7926B575-2040-4D7F-8872-C7A3AA837512}" type="datetimeFigureOut">
               <a:rPr lang="zh-CN" altLang="en-US" smtClean="0"/>
-              <a:t>2023/10/12</a:t>
+              <a:t>2023/10/14</a:t>
             </a:fld>
             <a:endParaRPr lang="zh-CN" altLang="en-US"/>
           </a:p>
@@ -1811,7 +1817,7 @@
           <a:p>
             <a:fld id="{7926B575-2040-4D7F-8872-C7A3AA837512}" type="datetimeFigureOut">
               <a:rPr lang="zh-CN" altLang="en-US" smtClean="0"/>
-              <a:t>2023/10/12</a:t>
+              <a:t>2023/10/14</a:t>
             </a:fld>
             <a:endParaRPr lang="zh-CN" altLang="en-US"/>
           </a:p>
@@ -1952,7 +1958,7 @@
           <a:p>
             <a:fld id="{7926B575-2040-4D7F-8872-C7A3AA837512}" type="datetimeFigureOut">
               <a:rPr lang="zh-CN" altLang="en-US" smtClean="0"/>
-              <a:t>2023/10/12</a:t>
+              <a:t>2023/10/14</a:t>
             </a:fld>
             <a:endParaRPr lang="zh-CN" altLang="en-US"/>
           </a:p>
@@ -2065,7 +2071,7 @@
           <a:p>
             <a:fld id="{7926B575-2040-4D7F-8872-C7A3AA837512}" type="datetimeFigureOut">
               <a:rPr lang="zh-CN" altLang="en-US" smtClean="0"/>
-              <a:t>2023/10/12</a:t>
+              <a:t>2023/10/14</a:t>
             </a:fld>
             <a:endParaRPr lang="zh-CN" altLang="en-US"/>
           </a:p>
@@ -2376,7 +2382,7 @@
           <a:p>
             <a:fld id="{7926B575-2040-4D7F-8872-C7A3AA837512}" type="datetimeFigureOut">
               <a:rPr lang="zh-CN" altLang="en-US" smtClean="0"/>
-              <a:t>2023/10/12</a:t>
+              <a:t>2023/10/14</a:t>
             </a:fld>
             <a:endParaRPr lang="zh-CN" altLang="en-US"/>
           </a:p>
@@ -2664,7 +2670,7 @@
           <a:p>
             <a:fld id="{7926B575-2040-4D7F-8872-C7A3AA837512}" type="datetimeFigureOut">
               <a:rPr lang="zh-CN" altLang="en-US" smtClean="0"/>
-              <a:t>2023/10/12</a:t>
+              <a:t>2023/10/14</a:t>
             </a:fld>
             <a:endParaRPr lang="zh-CN" altLang="en-US"/>
           </a:p>
@@ -2905,7 +2911,7 @@
           <a:p>
             <a:fld id="{7926B575-2040-4D7F-8872-C7A3AA837512}" type="datetimeFigureOut">
               <a:rPr lang="zh-CN" altLang="en-US" smtClean="0"/>
-              <a:t>2023/10/12</a:t>
+              <a:t>2023/10/14</a:t>
             </a:fld>
             <a:endParaRPr lang="zh-CN" altLang="en-US"/>
           </a:p>
@@ -3556,6 +3562,623 @@
 </p:sld>
 </file>
 
+<file path=ppt/slides/slide3.xml><?xml version="1.0" encoding="utf-8"?>
+<p:sld xmlns:a="http://schemas.openxmlformats.org/drawingml/2006/main" xmlns:r="http://schemas.openxmlformats.org/officeDocument/2006/relationships" xmlns:p="http://schemas.openxmlformats.org/presentationml/2006/main">
+  <p:cSld>
+    <p:spTree>
+      <p:nvGrpSpPr>
+        <p:cNvPr id="1" name=""/>
+        <p:cNvGrpSpPr/>
+        <p:nvPr/>
+      </p:nvGrpSpPr>
+      <p:grpSpPr>
+        <a:xfrm>
+          <a:off x="0" y="0"/>
+          <a:ext cx="0" cy="0"/>
+          <a:chOff x="0" y="0"/>
+          <a:chExt cx="0" cy="0"/>
+        </a:xfrm>
+      </p:grpSpPr>
+      <p:pic>
+        <p:nvPicPr>
+          <p:cNvPr id="7" name="图片 6">
+            <a:extLst>
+              <a:ext uri="{FF2B5EF4-FFF2-40B4-BE49-F238E27FC236}">
+                <a16:creationId xmlns:a16="http://schemas.microsoft.com/office/drawing/2014/main" id="{C6F6253E-4FD4-B5B5-AF42-1A17D56105F6}"/>
+              </a:ext>
+            </a:extLst>
+          </p:cNvPr>
+          <p:cNvPicPr>
+            <a:picLocks noChangeAspect="1"/>
+          </p:cNvPicPr>
+          <p:nvPr/>
+        </p:nvPicPr>
+        <p:blipFill>
+          <a:blip r:embed="rId2"/>
+          <a:stretch>
+            <a:fillRect/>
+          </a:stretch>
+        </p:blipFill>
+        <p:spPr>
+          <a:xfrm>
+            <a:off x="1268812" y="2358769"/>
+            <a:ext cx="2016017" cy="2140461"/>
+          </a:xfrm>
+          <a:prstGeom prst="rect">
+            <a:avLst/>
+          </a:prstGeom>
+        </p:spPr>
+      </p:pic>
+      <p:pic>
+        <p:nvPicPr>
+          <p:cNvPr id="9" name="图片 8">
+            <a:extLst>
+              <a:ext uri="{FF2B5EF4-FFF2-40B4-BE49-F238E27FC236}">
+                <a16:creationId xmlns:a16="http://schemas.microsoft.com/office/drawing/2014/main" id="{9EFA9455-9058-47CD-4F38-5C3974C497E3}"/>
+              </a:ext>
+            </a:extLst>
+          </p:cNvPr>
+          <p:cNvPicPr>
+            <a:picLocks noChangeAspect="1"/>
+          </p:cNvPicPr>
+          <p:nvPr/>
+        </p:nvPicPr>
+        <p:blipFill>
+          <a:blip r:embed="rId3"/>
+          <a:stretch>
+            <a:fillRect/>
+          </a:stretch>
+        </p:blipFill>
+        <p:spPr>
+          <a:xfrm>
+            <a:off x="4669721" y="2358768"/>
+            <a:ext cx="1928767" cy="2140461"/>
+          </a:xfrm>
+          <a:prstGeom prst="rect">
+            <a:avLst/>
+          </a:prstGeom>
+        </p:spPr>
+      </p:pic>
+      <p:pic>
+        <p:nvPicPr>
+          <p:cNvPr id="11" name="图片 10">
+            <a:extLst>
+              <a:ext uri="{FF2B5EF4-FFF2-40B4-BE49-F238E27FC236}">
+                <a16:creationId xmlns:a16="http://schemas.microsoft.com/office/drawing/2014/main" id="{2D4D89FB-1EBE-62B2-FB13-469B946D2F06}"/>
+              </a:ext>
+            </a:extLst>
+          </p:cNvPr>
+          <p:cNvPicPr>
+            <a:picLocks noChangeAspect="1"/>
+          </p:cNvPicPr>
+          <p:nvPr/>
+        </p:nvPicPr>
+        <p:blipFill>
+          <a:blip r:embed="rId4"/>
+          <a:stretch>
+            <a:fillRect/>
+          </a:stretch>
+        </p:blipFill>
+        <p:spPr>
+          <a:xfrm>
+            <a:off x="7983380" y="2358768"/>
+            <a:ext cx="1943636" cy="2140461"/>
+          </a:xfrm>
+          <a:prstGeom prst="rect">
+            <a:avLst/>
+          </a:prstGeom>
+        </p:spPr>
+      </p:pic>
+      <p:sp>
+        <p:nvSpPr>
+          <p:cNvPr id="12" name="箭头: 右 11">
+            <a:extLst>
+              <a:ext uri="{FF2B5EF4-FFF2-40B4-BE49-F238E27FC236}">
+                <a16:creationId xmlns:a16="http://schemas.microsoft.com/office/drawing/2014/main" id="{42BACBE2-E08B-5332-BC12-E9FB5CEFDB97}"/>
+              </a:ext>
+            </a:extLst>
+          </p:cNvPr>
+          <p:cNvSpPr/>
+          <p:nvPr/>
+        </p:nvSpPr>
+        <p:spPr>
+          <a:xfrm>
+            <a:off x="3594720" y="2943806"/>
+            <a:ext cx="765110" cy="970383"/>
+          </a:xfrm>
+          <a:prstGeom prst="rightArrow">
+            <a:avLst/>
+          </a:prstGeom>
+        </p:spPr>
+        <p:style>
+          <a:lnRef idx="2">
+            <a:schemeClr val="accent1">
+              <a:shade val="15000"/>
+            </a:schemeClr>
+          </a:lnRef>
+          <a:fillRef idx="1">
+            <a:schemeClr val="accent1"/>
+          </a:fillRef>
+          <a:effectRef idx="0">
+            <a:schemeClr val="accent1"/>
+          </a:effectRef>
+          <a:fontRef idx="minor">
+            <a:schemeClr val="lt1"/>
+          </a:fontRef>
+        </p:style>
+        <p:txBody>
+          <a:bodyPr rtlCol="0" anchor="ctr"/>
+          <a:lstStyle/>
+          <a:p>
+            <a:pPr algn="ctr"/>
+            <a:endParaRPr lang="zh-CN" altLang="en-US"/>
+          </a:p>
+        </p:txBody>
+      </p:sp>
+      <p:sp>
+        <p:nvSpPr>
+          <p:cNvPr id="13" name="箭头: 右 12">
+            <a:extLst>
+              <a:ext uri="{FF2B5EF4-FFF2-40B4-BE49-F238E27FC236}">
+                <a16:creationId xmlns:a16="http://schemas.microsoft.com/office/drawing/2014/main" id="{56A753CF-90F5-B0E7-60AF-0861C8A40B30}"/>
+              </a:ext>
+            </a:extLst>
+          </p:cNvPr>
+          <p:cNvSpPr/>
+          <p:nvPr/>
+        </p:nvSpPr>
+        <p:spPr>
+          <a:xfrm rot="10800000">
+            <a:off x="6908379" y="2943806"/>
+            <a:ext cx="765110" cy="970383"/>
+          </a:xfrm>
+          <a:prstGeom prst="rightArrow">
+            <a:avLst/>
+          </a:prstGeom>
+        </p:spPr>
+        <p:style>
+          <a:lnRef idx="2">
+            <a:schemeClr val="accent1">
+              <a:shade val="15000"/>
+            </a:schemeClr>
+          </a:lnRef>
+          <a:fillRef idx="1">
+            <a:schemeClr val="accent1"/>
+          </a:fillRef>
+          <a:effectRef idx="0">
+            <a:schemeClr val="accent1"/>
+          </a:effectRef>
+          <a:fontRef idx="minor">
+            <a:schemeClr val="lt1"/>
+          </a:fontRef>
+        </p:style>
+        <p:txBody>
+          <a:bodyPr rtlCol="0" anchor="ctr"/>
+          <a:lstStyle/>
+          <a:p>
+            <a:pPr algn="ctr"/>
+            <a:endParaRPr lang="zh-CN" altLang="en-US"/>
+          </a:p>
+        </p:txBody>
+      </p:sp>
+      <p:sp>
+        <p:nvSpPr>
+          <p:cNvPr id="14" name="文本框 13">
+            <a:extLst>
+              <a:ext uri="{FF2B5EF4-FFF2-40B4-BE49-F238E27FC236}">
+                <a16:creationId xmlns:a16="http://schemas.microsoft.com/office/drawing/2014/main" id="{3BC1606D-E613-EDBB-96EA-47E7CD6E5493}"/>
+              </a:ext>
+            </a:extLst>
+          </p:cNvPr>
+          <p:cNvSpPr txBox="1"/>
+          <p:nvPr/>
+        </p:nvSpPr>
+        <p:spPr>
+          <a:xfrm>
+            <a:off x="1233104" y="4636654"/>
+            <a:ext cx="2087431" cy="369332"/>
+          </a:xfrm>
+          <a:prstGeom prst="rect">
+            <a:avLst/>
+          </a:prstGeom>
+          <a:noFill/>
+        </p:spPr>
+        <p:txBody>
+          <a:bodyPr wrap="none" rtlCol="0">
+            <a:spAutoFit/>
+          </a:bodyPr>
+          <a:lstStyle/>
+          <a:p>
+            <a:r>
+              <a:rPr lang="en-US" altLang="zh-CN" dirty="0"/>
+              <a:t>Input Action Assets</a:t>
+            </a:r>
+            <a:endParaRPr lang="zh-CN" altLang="en-US" dirty="0"/>
+          </a:p>
+        </p:txBody>
+      </p:sp>
+      <p:sp>
+        <p:nvSpPr>
+          <p:cNvPr id="15" name="文本框 14">
+            <a:extLst>
+              <a:ext uri="{FF2B5EF4-FFF2-40B4-BE49-F238E27FC236}">
+                <a16:creationId xmlns:a16="http://schemas.microsoft.com/office/drawing/2014/main" id="{4E1A0081-3081-4185-5499-DD1E74002CA5}"/>
+              </a:ext>
+            </a:extLst>
+          </p:cNvPr>
+          <p:cNvSpPr txBox="1"/>
+          <p:nvPr/>
+        </p:nvSpPr>
+        <p:spPr>
+          <a:xfrm>
+            <a:off x="4622448" y="4636654"/>
+            <a:ext cx="2023311" cy="369332"/>
+          </a:xfrm>
+          <a:prstGeom prst="rect">
+            <a:avLst/>
+          </a:prstGeom>
+          <a:noFill/>
+        </p:spPr>
+        <p:txBody>
+          <a:bodyPr wrap="none" rtlCol="0">
+            <a:spAutoFit/>
+          </a:bodyPr>
+          <a:lstStyle/>
+          <a:p>
+            <a:r>
+              <a:rPr lang="en-US" altLang="zh-CN" dirty="0"/>
+              <a:t>Input Action Script</a:t>
+            </a:r>
+            <a:endParaRPr lang="zh-CN" altLang="en-US" dirty="0"/>
+          </a:p>
+        </p:txBody>
+      </p:sp>
+      <p:sp>
+        <p:nvSpPr>
+          <p:cNvPr id="16" name="文本框 15">
+            <a:extLst>
+              <a:ext uri="{FF2B5EF4-FFF2-40B4-BE49-F238E27FC236}">
+                <a16:creationId xmlns:a16="http://schemas.microsoft.com/office/drawing/2014/main" id="{F4F96C08-D9BF-A373-4782-A841306016A8}"/>
+              </a:ext>
+            </a:extLst>
+          </p:cNvPr>
+          <p:cNvSpPr txBox="1"/>
+          <p:nvPr/>
+        </p:nvSpPr>
+        <p:spPr>
+          <a:xfrm>
+            <a:off x="8186398" y="4636654"/>
+            <a:ext cx="1537600" cy="369332"/>
+          </a:xfrm>
+          <a:prstGeom prst="rect">
+            <a:avLst/>
+          </a:prstGeom>
+          <a:noFill/>
+        </p:spPr>
+        <p:txBody>
+          <a:bodyPr wrap="none" rtlCol="0">
+            <a:spAutoFit/>
+          </a:bodyPr>
+          <a:lstStyle/>
+          <a:p>
+            <a:r>
+              <a:rPr lang="en-US" altLang="zh-CN" dirty="0"/>
+              <a:t>xxx Controller</a:t>
+            </a:r>
+            <a:endParaRPr lang="zh-CN" altLang="en-US" dirty="0"/>
+          </a:p>
+        </p:txBody>
+      </p:sp>
+      <p:sp>
+        <p:nvSpPr>
+          <p:cNvPr id="17" name="文本框 16">
+            <a:extLst>
+              <a:ext uri="{FF2B5EF4-FFF2-40B4-BE49-F238E27FC236}">
+                <a16:creationId xmlns:a16="http://schemas.microsoft.com/office/drawing/2014/main" id="{79224219-4CA5-EAF7-931C-2E9ED7B08943}"/>
+              </a:ext>
+            </a:extLst>
+          </p:cNvPr>
+          <p:cNvSpPr txBox="1"/>
+          <p:nvPr/>
+        </p:nvSpPr>
+        <p:spPr>
+          <a:xfrm>
+            <a:off x="1722821" y="5143410"/>
+            <a:ext cx="1107996" cy="369332"/>
+          </a:xfrm>
+          <a:prstGeom prst="rect">
+            <a:avLst/>
+          </a:prstGeom>
+          <a:noFill/>
+        </p:spPr>
+        <p:txBody>
+          <a:bodyPr wrap="none" rtlCol="0">
+            <a:spAutoFit/>
+          </a:bodyPr>
+          <a:lstStyle/>
+          <a:p>
+            <a:r>
+              <a:rPr lang="zh-CN" altLang="en-US" dirty="0"/>
+              <a:t>注册按键</a:t>
+            </a:r>
+          </a:p>
+        </p:txBody>
+      </p:sp>
+      <p:sp>
+        <p:nvSpPr>
+          <p:cNvPr id="18" name="文本框 17">
+            <a:extLst>
+              <a:ext uri="{FF2B5EF4-FFF2-40B4-BE49-F238E27FC236}">
+                <a16:creationId xmlns:a16="http://schemas.microsoft.com/office/drawing/2014/main" id="{0E0008B8-D314-5ADF-8AFD-6EA532472722}"/>
+              </a:ext>
+            </a:extLst>
+          </p:cNvPr>
+          <p:cNvSpPr txBox="1"/>
+          <p:nvPr/>
+        </p:nvSpPr>
+        <p:spPr>
+          <a:xfrm>
+            <a:off x="4275283" y="5139309"/>
+            <a:ext cx="2723823" cy="369332"/>
+          </a:xfrm>
+          <a:prstGeom prst="rect">
+            <a:avLst/>
+          </a:prstGeom>
+          <a:noFill/>
+        </p:spPr>
+        <p:txBody>
+          <a:bodyPr wrap="none" rtlCol="0">
+            <a:spAutoFit/>
+          </a:bodyPr>
+          <a:lstStyle/>
+          <a:p>
+            <a:r>
+              <a:rPr lang="zh-CN" altLang="en-US" dirty="0"/>
+              <a:t>接受消息，记录按键状态</a:t>
+            </a:r>
+          </a:p>
+        </p:txBody>
+      </p:sp>
+      <p:sp>
+        <p:nvSpPr>
+          <p:cNvPr id="19" name="文本框 18">
+            <a:extLst>
+              <a:ext uri="{FF2B5EF4-FFF2-40B4-BE49-F238E27FC236}">
+                <a16:creationId xmlns:a16="http://schemas.microsoft.com/office/drawing/2014/main" id="{9B04E08C-A166-F1CF-1963-E5ADAE1B169F}"/>
+              </a:ext>
+            </a:extLst>
+          </p:cNvPr>
+          <p:cNvSpPr txBox="1"/>
+          <p:nvPr/>
+        </p:nvSpPr>
+        <p:spPr>
+          <a:xfrm>
+            <a:off x="7477870" y="5139309"/>
+            <a:ext cx="2954655" cy="369332"/>
+          </a:xfrm>
+          <a:prstGeom prst="rect">
+            <a:avLst/>
+          </a:prstGeom>
+          <a:noFill/>
+        </p:spPr>
+        <p:txBody>
+          <a:bodyPr wrap="none" rtlCol="0">
+            <a:spAutoFit/>
+          </a:bodyPr>
+          <a:lstStyle/>
+          <a:p>
+            <a:r>
+              <a:rPr lang="zh-CN" altLang="en-US" dirty="0"/>
+              <a:t>据按键状态，执行游戏逻辑</a:t>
+            </a:r>
+          </a:p>
+        </p:txBody>
+      </p:sp>
+      <p:pic>
+        <p:nvPicPr>
+          <p:cNvPr id="23" name="图片 22">
+            <a:extLst>
+              <a:ext uri="{FF2B5EF4-FFF2-40B4-BE49-F238E27FC236}">
+                <a16:creationId xmlns:a16="http://schemas.microsoft.com/office/drawing/2014/main" id="{D725467E-1C2D-D74E-E668-FD92C7088330}"/>
+              </a:ext>
+            </a:extLst>
+          </p:cNvPr>
+          <p:cNvPicPr>
+            <a:picLocks noChangeAspect="1"/>
+          </p:cNvPicPr>
+          <p:nvPr/>
+        </p:nvPicPr>
+        <p:blipFill>
+          <a:blip r:embed="rId5"/>
+          <a:stretch>
+            <a:fillRect/>
+          </a:stretch>
+        </p:blipFill>
+        <p:spPr>
+          <a:xfrm>
+            <a:off x="2596197" y="1309857"/>
+            <a:ext cx="2762156" cy="463873"/>
+          </a:xfrm>
+          <a:prstGeom prst="rect">
+            <a:avLst/>
+          </a:prstGeom>
+        </p:spPr>
+      </p:pic>
+      <p:sp>
+        <p:nvSpPr>
+          <p:cNvPr id="26" name="箭头: 下 25">
+            <a:extLst>
+              <a:ext uri="{FF2B5EF4-FFF2-40B4-BE49-F238E27FC236}">
+                <a16:creationId xmlns:a16="http://schemas.microsoft.com/office/drawing/2014/main" id="{7F1E079B-BE2A-43E0-88E1-688AA326ECB1}"/>
+              </a:ext>
+            </a:extLst>
+          </p:cNvPr>
+          <p:cNvSpPr/>
+          <p:nvPr/>
+        </p:nvSpPr>
+        <p:spPr>
+          <a:xfrm rot="2647684">
+            <a:off x="3279655" y="1781364"/>
+            <a:ext cx="203200" cy="646546"/>
+          </a:xfrm>
+          <a:prstGeom prst="downArrow">
+            <a:avLst/>
+          </a:prstGeom>
+        </p:spPr>
+        <p:style>
+          <a:lnRef idx="2">
+            <a:schemeClr val="accent1">
+              <a:shade val="15000"/>
+            </a:schemeClr>
+          </a:lnRef>
+          <a:fillRef idx="1">
+            <a:schemeClr val="accent1"/>
+          </a:fillRef>
+          <a:effectRef idx="0">
+            <a:schemeClr val="accent1"/>
+          </a:effectRef>
+          <a:fontRef idx="minor">
+            <a:schemeClr val="lt1"/>
+          </a:fontRef>
+        </p:style>
+        <p:txBody>
+          <a:bodyPr rtlCol="0" anchor="ctr"/>
+          <a:lstStyle/>
+          <a:p>
+            <a:pPr algn="ctr"/>
+            <a:endParaRPr lang="zh-CN" altLang="en-US"/>
+          </a:p>
+        </p:txBody>
+      </p:sp>
+      <p:sp>
+        <p:nvSpPr>
+          <p:cNvPr id="27" name="箭头: 下 26">
+            <a:extLst>
+              <a:ext uri="{FF2B5EF4-FFF2-40B4-BE49-F238E27FC236}">
+                <a16:creationId xmlns:a16="http://schemas.microsoft.com/office/drawing/2014/main" id="{D12F3873-8D3A-E37F-C978-801F605A70A7}"/>
+              </a:ext>
+            </a:extLst>
+          </p:cNvPr>
+          <p:cNvSpPr/>
+          <p:nvPr/>
+        </p:nvSpPr>
+        <p:spPr>
+          <a:xfrm rot="18808865">
+            <a:off x="4485729" y="1781362"/>
+            <a:ext cx="154687" cy="646546"/>
+          </a:xfrm>
+          <a:prstGeom prst="downArrow">
+            <a:avLst/>
+          </a:prstGeom>
+        </p:spPr>
+        <p:style>
+          <a:lnRef idx="2">
+            <a:schemeClr val="accent1">
+              <a:shade val="15000"/>
+            </a:schemeClr>
+          </a:lnRef>
+          <a:fillRef idx="1">
+            <a:schemeClr val="accent1"/>
+          </a:fillRef>
+          <a:effectRef idx="0">
+            <a:schemeClr val="accent1"/>
+          </a:effectRef>
+          <a:fontRef idx="minor">
+            <a:schemeClr val="lt1"/>
+          </a:fontRef>
+        </p:style>
+        <p:txBody>
+          <a:bodyPr rtlCol="0" anchor="ctr"/>
+          <a:lstStyle/>
+          <a:p>
+            <a:pPr algn="ctr"/>
+            <a:endParaRPr lang="zh-CN" altLang="en-US"/>
+          </a:p>
+        </p:txBody>
+      </p:sp>
+      <p:sp>
+        <p:nvSpPr>
+          <p:cNvPr id="28" name="文本框 27">
+            <a:extLst>
+              <a:ext uri="{FF2B5EF4-FFF2-40B4-BE49-F238E27FC236}">
+                <a16:creationId xmlns:a16="http://schemas.microsoft.com/office/drawing/2014/main" id="{8BE44273-FC04-2743-351B-504A198914E9}"/>
+              </a:ext>
+            </a:extLst>
+          </p:cNvPr>
+          <p:cNvSpPr txBox="1"/>
+          <p:nvPr/>
+        </p:nvSpPr>
+        <p:spPr>
+          <a:xfrm>
+            <a:off x="3430891" y="3914189"/>
+            <a:ext cx="1107996" cy="369332"/>
+          </a:xfrm>
+          <a:prstGeom prst="rect">
+            <a:avLst/>
+          </a:prstGeom>
+          <a:noFill/>
+        </p:spPr>
+        <p:txBody>
+          <a:bodyPr wrap="none" rtlCol="0">
+            <a:spAutoFit/>
+          </a:bodyPr>
+          <a:lstStyle/>
+          <a:p>
+            <a:r>
+              <a:rPr lang="zh-CN" altLang="en-US" dirty="0"/>
+              <a:t>发送消息</a:t>
+            </a:r>
+          </a:p>
+        </p:txBody>
+      </p:sp>
+      <p:sp>
+        <p:nvSpPr>
+          <p:cNvPr id="29" name="文本框 28">
+            <a:extLst>
+              <a:ext uri="{FF2B5EF4-FFF2-40B4-BE49-F238E27FC236}">
+                <a16:creationId xmlns:a16="http://schemas.microsoft.com/office/drawing/2014/main" id="{C6882320-A587-8DB4-AE8B-34DF1B1CCEC5}"/>
+              </a:ext>
+            </a:extLst>
+          </p:cNvPr>
+          <p:cNvSpPr txBox="1"/>
+          <p:nvPr/>
+        </p:nvSpPr>
+        <p:spPr>
+          <a:xfrm>
+            <a:off x="6736936" y="3914189"/>
+            <a:ext cx="1107996" cy="369332"/>
+          </a:xfrm>
+          <a:prstGeom prst="rect">
+            <a:avLst/>
+          </a:prstGeom>
+          <a:noFill/>
+        </p:spPr>
+        <p:txBody>
+          <a:bodyPr wrap="none" rtlCol="0">
+            <a:spAutoFit/>
+          </a:bodyPr>
+          <a:lstStyle/>
+          <a:p>
+            <a:r>
+              <a:rPr lang="zh-CN" altLang="en-US" dirty="0"/>
+              <a:t>获取状态</a:t>
+            </a:r>
+          </a:p>
+        </p:txBody>
+      </p:sp>
+    </p:spTree>
+    <p:extLst>
+      <p:ext uri="{BB962C8B-B14F-4D97-AF65-F5344CB8AC3E}">
+        <p14:creationId xmlns:p14="http://schemas.microsoft.com/office/powerpoint/2010/main" val="3952476254"/>
+      </p:ext>
+    </p:extLst>
+  </p:cSld>
+  <p:clrMapOvr>
+    <a:masterClrMapping/>
+  </p:clrMapOvr>
+</p:sld>
+</file>
+
 <file path=ppt/theme/theme1.xml><?xml version="1.0" encoding="utf-8"?>
 <a:theme xmlns:a="http://schemas.openxmlformats.org/drawingml/2006/main" name="Office 主题​​">
   <a:themeElements>

--- a/docs/alignment helper.pptx
+++ b/docs/alignment helper.pptx
@@ -8,6 +8,7 @@
     <p:sldId id="256" r:id="rId2"/>
     <p:sldId id="257" r:id="rId3"/>
     <p:sldId id="258" r:id="rId4"/>
+    <p:sldId id="259" r:id="rId5"/>
   </p:sldIdLst>
   <p:sldSz cx="12192000" cy="6858000"/>
   <p:notesSz cx="6858000" cy="9144000"/>
@@ -261,7 +262,7 @@
           <a:p>
             <a:fld id="{7926B575-2040-4D7F-8872-C7A3AA837512}" type="datetimeFigureOut">
               <a:rPr lang="zh-CN" altLang="en-US" smtClean="0"/>
-              <a:t>2023/10/14</a:t>
+              <a:t>2023/10/17</a:t>
             </a:fld>
             <a:endParaRPr lang="zh-CN" altLang="en-US"/>
           </a:p>
@@ -459,7 +460,7 @@
           <a:p>
             <a:fld id="{7926B575-2040-4D7F-8872-C7A3AA837512}" type="datetimeFigureOut">
               <a:rPr lang="zh-CN" altLang="en-US" smtClean="0"/>
-              <a:t>2023/10/14</a:t>
+              <a:t>2023/10/17</a:t>
             </a:fld>
             <a:endParaRPr lang="zh-CN" altLang="en-US"/>
           </a:p>
@@ -667,7 +668,7 @@
           <a:p>
             <a:fld id="{7926B575-2040-4D7F-8872-C7A3AA837512}" type="datetimeFigureOut">
               <a:rPr lang="zh-CN" altLang="en-US" smtClean="0"/>
-              <a:t>2023/10/14</a:t>
+              <a:t>2023/10/17</a:t>
             </a:fld>
             <a:endParaRPr lang="zh-CN" altLang="en-US"/>
           </a:p>
@@ -865,7 +866,7 @@
           <a:p>
             <a:fld id="{7926B575-2040-4D7F-8872-C7A3AA837512}" type="datetimeFigureOut">
               <a:rPr lang="zh-CN" altLang="en-US" smtClean="0"/>
-              <a:t>2023/10/14</a:t>
+              <a:t>2023/10/17</a:t>
             </a:fld>
             <a:endParaRPr lang="zh-CN" altLang="en-US"/>
           </a:p>
@@ -1140,7 +1141,7 @@
           <a:p>
             <a:fld id="{7926B575-2040-4D7F-8872-C7A3AA837512}" type="datetimeFigureOut">
               <a:rPr lang="zh-CN" altLang="en-US" smtClean="0"/>
-              <a:t>2023/10/14</a:t>
+              <a:t>2023/10/17</a:t>
             </a:fld>
             <a:endParaRPr lang="zh-CN" altLang="en-US"/>
           </a:p>
@@ -1405,7 +1406,7 @@
           <a:p>
             <a:fld id="{7926B575-2040-4D7F-8872-C7A3AA837512}" type="datetimeFigureOut">
               <a:rPr lang="zh-CN" altLang="en-US" smtClean="0"/>
-              <a:t>2023/10/14</a:t>
+              <a:t>2023/10/17</a:t>
             </a:fld>
             <a:endParaRPr lang="zh-CN" altLang="en-US"/>
           </a:p>
@@ -1817,7 +1818,7 @@
           <a:p>
             <a:fld id="{7926B575-2040-4D7F-8872-C7A3AA837512}" type="datetimeFigureOut">
               <a:rPr lang="zh-CN" altLang="en-US" smtClean="0"/>
-              <a:t>2023/10/14</a:t>
+              <a:t>2023/10/17</a:t>
             </a:fld>
             <a:endParaRPr lang="zh-CN" altLang="en-US"/>
           </a:p>
@@ -1958,7 +1959,7 @@
           <a:p>
             <a:fld id="{7926B575-2040-4D7F-8872-C7A3AA837512}" type="datetimeFigureOut">
               <a:rPr lang="zh-CN" altLang="en-US" smtClean="0"/>
-              <a:t>2023/10/14</a:t>
+              <a:t>2023/10/17</a:t>
             </a:fld>
             <a:endParaRPr lang="zh-CN" altLang="en-US"/>
           </a:p>
@@ -2071,7 +2072,7 @@
           <a:p>
             <a:fld id="{7926B575-2040-4D7F-8872-C7A3AA837512}" type="datetimeFigureOut">
               <a:rPr lang="zh-CN" altLang="en-US" smtClean="0"/>
-              <a:t>2023/10/14</a:t>
+              <a:t>2023/10/17</a:t>
             </a:fld>
             <a:endParaRPr lang="zh-CN" altLang="en-US"/>
           </a:p>
@@ -2382,7 +2383,7 @@
           <a:p>
             <a:fld id="{7926B575-2040-4D7F-8872-C7A3AA837512}" type="datetimeFigureOut">
               <a:rPr lang="zh-CN" altLang="en-US" smtClean="0"/>
-              <a:t>2023/10/14</a:t>
+              <a:t>2023/10/17</a:t>
             </a:fld>
             <a:endParaRPr lang="zh-CN" altLang="en-US"/>
           </a:p>
@@ -2670,7 +2671,7 @@
           <a:p>
             <a:fld id="{7926B575-2040-4D7F-8872-C7A3AA837512}" type="datetimeFigureOut">
               <a:rPr lang="zh-CN" altLang="en-US" smtClean="0"/>
-              <a:t>2023/10/14</a:t>
+              <a:t>2023/10/17</a:t>
             </a:fld>
             <a:endParaRPr lang="zh-CN" altLang="en-US"/>
           </a:p>
@@ -2911,7 +2912,7 @@
           <a:p>
             <a:fld id="{7926B575-2040-4D7F-8872-C7A3AA837512}" type="datetimeFigureOut">
               <a:rPr lang="zh-CN" altLang="en-US" smtClean="0"/>
-              <a:t>2023/10/14</a:t>
+              <a:t>2023/10/17</a:t>
             </a:fld>
             <a:endParaRPr lang="zh-CN" altLang="en-US"/>
           </a:p>
@@ -4179,6 +4180,191 @@
 </p:sld>
 </file>
 
+<file path=ppt/slides/slide4.xml><?xml version="1.0" encoding="utf-8"?>
+<p:sld xmlns:a="http://schemas.openxmlformats.org/drawingml/2006/main" xmlns:r="http://schemas.openxmlformats.org/officeDocument/2006/relationships" xmlns:p="http://schemas.openxmlformats.org/presentationml/2006/main">
+  <p:cSld>
+    <p:spTree>
+      <p:nvGrpSpPr>
+        <p:cNvPr id="1" name=""/>
+        <p:cNvGrpSpPr/>
+        <p:nvPr/>
+      </p:nvGrpSpPr>
+      <p:grpSpPr>
+        <a:xfrm>
+          <a:off x="0" y="0"/>
+          <a:ext cx="0" cy="0"/>
+          <a:chOff x="0" y="0"/>
+          <a:chExt cx="0" cy="0"/>
+        </a:xfrm>
+      </p:grpSpPr>
+      <p:sp>
+        <p:nvSpPr>
+          <p:cNvPr id="2" name="标题 1">
+            <a:extLst>
+              <a:ext uri="{FF2B5EF4-FFF2-40B4-BE49-F238E27FC236}">
+                <a16:creationId xmlns:a16="http://schemas.microsoft.com/office/drawing/2014/main" id="{421A59DB-EB94-C530-9C3C-A9F7307BDEEC}"/>
+              </a:ext>
+            </a:extLst>
+          </p:cNvPr>
+          <p:cNvSpPr>
+            <a:spLocks noGrp="1"/>
+          </p:cNvSpPr>
+          <p:nvPr>
+            <p:ph type="title"/>
+          </p:nvPr>
+        </p:nvSpPr>
+        <p:spPr/>
+        <p:txBody>
+          <a:bodyPr/>
+          <a:lstStyle/>
+          <a:p>
+            <a:endParaRPr lang="zh-CN" altLang="en-US"/>
+          </a:p>
+        </p:txBody>
+      </p:sp>
+      <p:pic>
+        <p:nvPicPr>
+          <p:cNvPr id="5" name="图片 4">
+            <a:extLst>
+              <a:ext uri="{FF2B5EF4-FFF2-40B4-BE49-F238E27FC236}">
+                <a16:creationId xmlns:a16="http://schemas.microsoft.com/office/drawing/2014/main" id="{DC53E42B-0B3A-FB5D-3CC2-E1200D7E856B}"/>
+              </a:ext>
+            </a:extLst>
+          </p:cNvPr>
+          <p:cNvPicPr>
+            <a:picLocks noChangeAspect="1"/>
+          </p:cNvPicPr>
+          <p:nvPr/>
+        </p:nvPicPr>
+        <p:blipFill>
+          <a:blip r:embed="rId2"/>
+          <a:stretch>
+            <a:fillRect/>
+          </a:stretch>
+        </p:blipFill>
+        <p:spPr>
+          <a:xfrm>
+            <a:off x="2971785" y="2909439"/>
+            <a:ext cx="2276793" cy="2276793"/>
+          </a:xfrm>
+          <a:prstGeom prst="rect">
+            <a:avLst/>
+          </a:prstGeom>
+        </p:spPr>
+      </p:pic>
+      <p:pic>
+        <p:nvPicPr>
+          <p:cNvPr id="7" name="图片 6">
+            <a:extLst>
+              <a:ext uri="{FF2B5EF4-FFF2-40B4-BE49-F238E27FC236}">
+                <a16:creationId xmlns:a16="http://schemas.microsoft.com/office/drawing/2014/main" id="{5E4DB7BF-68AD-4B0A-8977-A275B7DDF970}"/>
+              </a:ext>
+            </a:extLst>
+          </p:cNvPr>
+          <p:cNvPicPr>
+            <a:picLocks noChangeAspect="1"/>
+          </p:cNvPicPr>
+          <p:nvPr/>
+        </p:nvPicPr>
+        <p:blipFill rotWithShape="1">
+          <a:blip r:embed="rId3"/>
+          <a:srcRect l="14947" b="15248"/>
+          <a:stretch/>
+        </p:blipFill>
+        <p:spPr>
+          <a:xfrm>
+            <a:off x="5248578" y="2909438"/>
+            <a:ext cx="2276793" cy="2276793"/>
+          </a:xfrm>
+          <a:prstGeom prst="rect">
+            <a:avLst/>
+          </a:prstGeom>
+        </p:spPr>
+      </p:pic>
+      <p:sp>
+        <p:nvSpPr>
+          <p:cNvPr id="8" name="文本框 7">
+            <a:extLst>
+              <a:ext uri="{FF2B5EF4-FFF2-40B4-BE49-F238E27FC236}">
+                <a16:creationId xmlns:a16="http://schemas.microsoft.com/office/drawing/2014/main" id="{D2EF4F50-E04A-91B2-06C9-39D5AE32C23E}"/>
+              </a:ext>
+            </a:extLst>
+          </p:cNvPr>
+          <p:cNvSpPr txBox="1"/>
+          <p:nvPr/>
+        </p:nvSpPr>
+        <p:spPr>
+          <a:xfrm>
+            <a:off x="3772589" y="2540105"/>
+            <a:ext cx="675185" cy="369332"/>
+          </a:xfrm>
+          <a:prstGeom prst="rect">
+            <a:avLst/>
+          </a:prstGeom>
+          <a:noFill/>
+        </p:spPr>
+        <p:txBody>
+          <a:bodyPr wrap="none" rtlCol="0">
+            <a:spAutoFit/>
+          </a:bodyPr>
+          <a:lstStyle/>
+          <a:p>
+            <a:r>
+              <a:rPr lang="en-US" altLang="zh-CN" dirty="0"/>
+              <a:t>OVO</a:t>
+            </a:r>
+            <a:endParaRPr lang="zh-CN" altLang="en-US" dirty="0"/>
+          </a:p>
+        </p:txBody>
+      </p:sp>
+      <p:sp>
+        <p:nvSpPr>
+          <p:cNvPr id="9" name="文本框 8">
+            <a:extLst>
+              <a:ext uri="{FF2B5EF4-FFF2-40B4-BE49-F238E27FC236}">
+                <a16:creationId xmlns:a16="http://schemas.microsoft.com/office/drawing/2014/main" id="{25DA34A9-48B4-67A8-51BD-49A168488F6D}"/>
+              </a:ext>
+            </a:extLst>
+          </p:cNvPr>
+          <p:cNvSpPr txBox="1"/>
+          <p:nvPr/>
+        </p:nvSpPr>
+        <p:spPr>
+          <a:xfrm>
+            <a:off x="5130059" y="2540105"/>
+            <a:ext cx="2513830" cy="369332"/>
+          </a:xfrm>
+          <a:prstGeom prst="rect">
+            <a:avLst/>
+          </a:prstGeom>
+          <a:noFill/>
+        </p:spPr>
+        <p:txBody>
+          <a:bodyPr wrap="none" rtlCol="0">
+            <a:spAutoFit/>
+          </a:bodyPr>
+          <a:lstStyle/>
+          <a:p>
+            <a:r>
+              <a:rPr lang="zh-CN" altLang="en-US" dirty="0"/>
+              <a:t>增加一束很亮的环境光</a:t>
+            </a:r>
+          </a:p>
+        </p:txBody>
+      </p:sp>
+    </p:spTree>
+    <p:extLst>
+      <p:ext uri="{BB962C8B-B14F-4D97-AF65-F5344CB8AC3E}">
+        <p14:creationId xmlns:p14="http://schemas.microsoft.com/office/powerpoint/2010/main" val="1401485420"/>
+      </p:ext>
+    </p:extLst>
+  </p:cSld>
+  <p:clrMapOvr>
+    <a:masterClrMapping/>
+  </p:clrMapOvr>
+</p:sld>
+</file>
+
 <file path=ppt/theme/theme1.xml><?xml version="1.0" encoding="utf-8"?>
 <a:theme xmlns:a="http://schemas.openxmlformats.org/drawingml/2006/main" name="Office 主题​​">
   <a:themeElements>
